--- a/Defcon_ReconVillage_YOGA_v1.pptx
+++ b/Defcon_ReconVillage_YOGA_v1.pptx
@@ -5,7 +5,7 @@
     <p:sldMasterId id="2147483672" r:id="rId1"/>
   </p:sldMasterIdLst>
   <p:notesMasterIdLst>
-    <p:notesMasterId r:id="rId23"/>
+    <p:notesMasterId r:id="rId22"/>
   </p:notesMasterIdLst>
   <p:sldIdLst>
     <p:sldId id="256" r:id="rId2"/>
@@ -25,10 +25,9 @@
     <p:sldId id="620" r:id="rId16"/>
     <p:sldId id="614" r:id="rId17"/>
     <p:sldId id="607" r:id="rId18"/>
-    <p:sldId id="622" r:id="rId19"/>
-    <p:sldId id="624" r:id="rId20"/>
-    <p:sldId id="623" r:id="rId21"/>
-    <p:sldId id="413" r:id="rId22"/>
+    <p:sldId id="624" r:id="rId19"/>
+    <p:sldId id="623" r:id="rId20"/>
+    <p:sldId id="413" r:id="rId21"/>
   </p:sldIdLst>
   <p:sldSz cx="12192000" cy="6858000"/>
   <p:notesSz cx="6858000" cy="9144000"/>
@@ -157,7 +156,6 @@
           <p14:sldIdLst>
             <p14:sldId id="614"/>
             <p14:sldId id="607"/>
-            <p14:sldId id="622"/>
             <p14:sldId id="624"/>
             <p14:sldId id="623"/>
             <p14:sldId id="413"/>
@@ -6541,7 +6539,16 @@
               <a:rPr lang="en-US" sz="9600" dirty="0">
                 <a:latin typeface="Georgia" panose="02040502050405020303" pitchFamily="18" charset="0"/>
               </a:rPr>
-              <a:t>Why are we making this OSINT Tower of Babel?</a:t>
+              <a:t>We need an</a:t>
+            </a:r>
+          </a:p>
+          <a:p>
+            <a:pPr algn="ctr"/>
+            <a:r>
+              <a:rPr lang="en-US" sz="9600" dirty="0">
+                <a:latin typeface="Georgia" panose="02040502050405020303" pitchFamily="18" charset="0"/>
+              </a:rPr>
+              <a:t>OSINT-wide taxonomy</a:t>
             </a:r>
           </a:p>
         </p:txBody>
@@ -6578,7 +6585,7 @@
     </p:spTree>
     <p:extLst>
       <p:ext uri="{BB962C8B-B14F-4D97-AF65-F5344CB8AC3E}">
-        <p14:creationId xmlns:p14="http://schemas.microsoft.com/office/powerpoint/2010/main" val="2854459989"/>
+        <p14:creationId xmlns:p14="http://schemas.microsoft.com/office/powerpoint/2010/main" val="1493083099"/>
       </p:ext>
     </p:extLst>
   </p:cSld>
@@ -6607,85 +6614,10 @@
       </p:grpSpPr>
       <p:sp>
         <p:nvSpPr>
-          <p:cNvPr id="2" name="Slide Number Placeholder 1"/>
-          <p:cNvSpPr>
-            <a:spLocks noGrp="1"/>
-          </p:cNvSpPr>
-          <p:nvPr>
-            <p:ph type="sldNum" sz="quarter" idx="4"/>
-          </p:nvPr>
-        </p:nvSpPr>
-        <p:spPr>
-          <a:xfrm>
-            <a:off x="9900458" y="6459785"/>
-            <a:ext cx="1312025" cy="365125"/>
-          </a:xfrm>
-        </p:spPr>
-        <p:txBody>
-          <a:bodyPr/>
-          <a:lstStyle/>
-          <a:p>
-            <a:fld id="{95C512E1-207F-4DA8-9E8B-046AC4C0F84D}" type="slidenum">
-              <a:rPr lang="en-US" smtClean="0"/>
-              <a:t>19</a:t>
-            </a:fld>
-            <a:endParaRPr lang="en-US" dirty="0"/>
-          </a:p>
-        </p:txBody>
-      </p:sp>
-      <p:sp>
-        <p:nvSpPr>
-          <p:cNvPr id="4" name="TextBox 3">
+          <p:cNvPr id="2" name="Footer Placeholder 1">
             <a:extLst>
               <a:ext uri="{FF2B5EF4-FFF2-40B4-BE49-F238E27FC236}">
-                <a16:creationId xmlns:a16="http://schemas.microsoft.com/office/drawing/2014/main" id="{911D8388-12EA-4B08-972E-B627F4FFF37F}"/>
-              </a:ext>
-            </a:extLst>
-          </p:cNvPr>
-          <p:cNvSpPr txBox="1"/>
-          <p:nvPr/>
-        </p:nvSpPr>
-        <p:spPr>
-          <a:xfrm>
-            <a:off x="518160" y="486515"/>
-            <a:ext cx="11155680" cy="4524315"/>
-          </a:xfrm>
-          <a:prstGeom prst="rect">
-            <a:avLst/>
-          </a:prstGeom>
-          <a:noFill/>
-        </p:spPr>
-        <p:txBody>
-          <a:bodyPr wrap="square" rtlCol="0">
-            <a:spAutoFit/>
-          </a:bodyPr>
-          <a:lstStyle/>
-          <a:p>
-            <a:pPr algn="ctr"/>
-            <a:r>
-              <a:rPr lang="en-US" sz="9600" dirty="0">
-                <a:latin typeface="Georgia" panose="02040502050405020303" pitchFamily="18" charset="0"/>
-              </a:rPr>
-              <a:t>We need an</a:t>
-            </a:r>
-          </a:p>
-          <a:p>
-            <a:pPr algn="ctr"/>
-            <a:r>
-              <a:rPr lang="en-US" sz="9600" dirty="0">
-                <a:latin typeface="Georgia" panose="02040502050405020303" pitchFamily="18" charset="0"/>
-              </a:rPr>
-              <a:t>OSINT-wide taxonomy</a:t>
-            </a:r>
-          </a:p>
-        </p:txBody>
-      </p:sp>
-      <p:sp>
-        <p:nvSpPr>
-          <p:cNvPr id="3" name="Footer Placeholder 2">
-            <a:extLst>
-              <a:ext uri="{FF2B5EF4-FFF2-40B4-BE49-F238E27FC236}">
-                <a16:creationId xmlns:a16="http://schemas.microsoft.com/office/drawing/2014/main" id="{5E0EE44B-5AEC-4992-B4C1-E1C28F1ECDF2}"/>
+                <a16:creationId xmlns:a16="http://schemas.microsoft.com/office/drawing/2014/main" id="{D98C5B2D-CD70-4262-B4AB-E99416ECCF8E}"/>
               </a:ext>
             </a:extLst>
           </p:cNvPr>
@@ -6709,10 +6641,188 @@
           </a:p>
         </p:txBody>
       </p:sp>
+      <p:sp>
+        <p:nvSpPr>
+          <p:cNvPr id="3" name="Slide Number Placeholder 2">
+            <a:extLst>
+              <a:ext uri="{FF2B5EF4-FFF2-40B4-BE49-F238E27FC236}">
+                <a16:creationId xmlns:a16="http://schemas.microsoft.com/office/drawing/2014/main" id="{602E20AF-8B48-4ED5-8AD6-57A2BFC6E050}"/>
+              </a:ext>
+            </a:extLst>
+          </p:cNvPr>
+          <p:cNvSpPr>
+            <a:spLocks noGrp="1"/>
+          </p:cNvSpPr>
+          <p:nvPr>
+            <p:ph type="sldNum" sz="quarter" idx="4"/>
+          </p:nvPr>
+        </p:nvSpPr>
+        <p:spPr/>
+        <p:txBody>
+          <a:bodyPr/>
+          <a:lstStyle/>
+          <a:p>
+            <a:fld id="{95C512E1-207F-4DA8-9E8B-046AC4C0F84D}" type="slidenum">
+              <a:rPr lang="en-US" smtClean="0"/>
+              <a:pPr/>
+              <a:t>19</a:t>
+            </a:fld>
+            <a:r>
+              <a:rPr lang="en-US"/>
+              <a:t> </a:t>
+            </a:r>
+            <a:endParaRPr lang="en-US" dirty="0"/>
+          </a:p>
+        </p:txBody>
+      </p:sp>
+      <p:sp>
+        <p:nvSpPr>
+          <p:cNvPr id="5" name="Rectangle 4">
+            <a:extLst>
+              <a:ext uri="{FF2B5EF4-FFF2-40B4-BE49-F238E27FC236}">
+                <a16:creationId xmlns:a16="http://schemas.microsoft.com/office/drawing/2014/main" id="{83E737C9-99A8-4FC3-8298-906179754CB9}"/>
+              </a:ext>
+            </a:extLst>
+          </p:cNvPr>
+          <p:cNvSpPr/>
+          <p:nvPr/>
+        </p:nvSpPr>
+        <p:spPr>
+          <a:xfrm>
+            <a:off x="2433202" y="186119"/>
+            <a:ext cx="7325595" cy="1015663"/>
+          </a:xfrm>
+          <a:prstGeom prst="rect">
+            <a:avLst/>
+          </a:prstGeom>
+        </p:spPr>
+        <p:txBody>
+          <a:bodyPr wrap="none">
+            <a:spAutoFit/>
+          </a:bodyPr>
+          <a:lstStyle/>
+          <a:p>
+            <a:r>
+              <a:rPr lang="en-US" sz="6000" dirty="0"/>
+              <a:t>https://orcs.osint.ninja</a:t>
+            </a:r>
+          </a:p>
+        </p:txBody>
+      </p:sp>
+      <p:sp>
+        <p:nvSpPr>
+          <p:cNvPr id="6" name="TextBox 5">
+            <a:extLst>
+              <a:ext uri="{FF2B5EF4-FFF2-40B4-BE49-F238E27FC236}">
+                <a16:creationId xmlns:a16="http://schemas.microsoft.com/office/drawing/2014/main" id="{51C9490C-96F1-42B2-ACA5-7E761E7AB196}"/>
+              </a:ext>
+            </a:extLst>
+          </p:cNvPr>
+          <p:cNvSpPr txBox="1"/>
+          <p:nvPr/>
+        </p:nvSpPr>
+        <p:spPr>
+          <a:xfrm>
+            <a:off x="373116" y="1490627"/>
+            <a:ext cx="7725855" cy="3416320"/>
+          </a:xfrm>
+          <a:prstGeom prst="rect">
+            <a:avLst/>
+          </a:prstGeom>
+          <a:noFill/>
+        </p:spPr>
+        <p:txBody>
+          <a:bodyPr wrap="square" rtlCol="0">
+            <a:spAutoFit/>
+          </a:bodyPr>
+          <a:lstStyle/>
+          <a:p>
+            <a:pPr marL="1143000" indent="-1143000">
+              <a:buFont typeface="Arial" panose="020B0604020202020204" pitchFamily="34" charset="0"/>
+              <a:buChar char="•"/>
+            </a:pPr>
+            <a:r>
+              <a:rPr lang="en-US" sz="5400" dirty="0">
+                <a:latin typeface="Georgia" panose="02040502050405020303" pitchFamily="18" charset="0"/>
+              </a:rPr>
+              <a:t>Being created now by the community</a:t>
+            </a:r>
+          </a:p>
+          <a:p>
+            <a:pPr marL="1143000" indent="-1143000">
+              <a:buFont typeface="Arial" panose="020B0604020202020204" pitchFamily="34" charset="0"/>
+              <a:buChar char="•"/>
+            </a:pPr>
+            <a:r>
+              <a:rPr lang="en-US" sz="5400" dirty="0">
+                <a:latin typeface="Georgia" panose="02040502050405020303" pitchFamily="18" charset="0"/>
+              </a:rPr>
+              <a:t>https://osint.team</a:t>
+            </a:r>
+          </a:p>
+          <a:p>
+            <a:pPr marL="1143000" indent="-1143000">
+              <a:buFont typeface="Arial" panose="020B0604020202020204" pitchFamily="34" charset="0"/>
+              <a:buChar char="•"/>
+            </a:pPr>
+            <a:r>
+              <a:rPr lang="en-US" sz="5400" dirty="0">
+                <a:latin typeface="Georgia" panose="02040502050405020303" pitchFamily="18" charset="0"/>
+              </a:rPr>
+              <a:t>Tagging of resources</a:t>
+            </a:r>
+          </a:p>
+        </p:txBody>
+      </p:sp>
+      <p:pic>
+        <p:nvPicPr>
+          <p:cNvPr id="1028" name="Picture 4" descr="https://raw.githubusercontent.com/WebBreacher/orcs/master/ideas/orcs_logo.png">
+            <a:extLst>
+              <a:ext uri="{FF2B5EF4-FFF2-40B4-BE49-F238E27FC236}">
+                <a16:creationId xmlns:a16="http://schemas.microsoft.com/office/drawing/2014/main" id="{514830C9-78BF-4141-907E-40FCAB399487}"/>
+              </a:ext>
+            </a:extLst>
+          </p:cNvPr>
+          <p:cNvPicPr>
+            <a:picLocks noChangeAspect="1" noChangeArrowheads="1"/>
+          </p:cNvPicPr>
+          <p:nvPr/>
+        </p:nvPicPr>
+        <p:blipFill rotWithShape="1">
+          <a:blip r:embed="rId2">
+            <a:extLst>
+              <a:ext uri="{28A0092B-C50C-407E-A947-70E740481C1C}">
+                <a14:useLocalDpi xmlns:a14="http://schemas.microsoft.com/office/drawing/2010/main" val="0"/>
+              </a:ext>
+            </a:extLst>
+          </a:blip>
+          <a:srcRect b="1926"/>
+          <a:stretch/>
+        </p:blipFill>
+        <p:spPr bwMode="auto">
+          <a:xfrm>
+            <a:off x="7999916" y="1201782"/>
+            <a:ext cx="3983079" cy="5003075"/>
+          </a:xfrm>
+          <a:prstGeom prst="rect">
+            <a:avLst/>
+          </a:prstGeom>
+          <a:noFill/>
+          <a:extLst>
+            <a:ext uri="{909E8E84-426E-40DD-AFC4-6F175D3DCCD1}">
+              <a14:hiddenFill xmlns:a14="http://schemas.microsoft.com/office/drawing/2010/main">
+                <a:solidFill>
+                  <a:srgbClr val="FFFFFF"/>
+                </a:solidFill>
+              </a14:hiddenFill>
+            </a:ext>
+          </a:extLst>
+        </p:spPr>
+      </p:pic>
     </p:spTree>
     <p:extLst>
       <p:ext uri="{BB962C8B-B14F-4D97-AF65-F5344CB8AC3E}">
-        <p14:creationId xmlns:p14="http://schemas.microsoft.com/office/powerpoint/2010/main" val="1493083099"/>
+        <p14:creationId xmlns:p14="http://schemas.microsoft.com/office/powerpoint/2010/main" val="2161277306"/>
       </p:ext>
     </p:extLst>
   </p:cSld>
@@ -7006,250 +7116,13 @@
       </p:grpSpPr>
       <p:sp>
         <p:nvSpPr>
-          <p:cNvPr id="2" name="Footer Placeholder 1">
-            <a:extLst>
-              <a:ext uri="{FF2B5EF4-FFF2-40B4-BE49-F238E27FC236}">
-                <a16:creationId xmlns:a16="http://schemas.microsoft.com/office/drawing/2014/main" id="{D98C5B2D-CD70-4262-B4AB-E99416ECCF8E}"/>
-              </a:ext>
-            </a:extLst>
-          </p:cNvPr>
-          <p:cNvSpPr>
-            <a:spLocks noGrp="1"/>
-          </p:cNvSpPr>
-          <p:nvPr>
-            <p:ph type="ftr" sz="quarter" idx="3"/>
-          </p:nvPr>
-        </p:nvSpPr>
-        <p:spPr/>
-        <p:txBody>
-          <a:bodyPr/>
-          <a:lstStyle/>
-          <a:p>
-            <a:r>
-              <a:rPr lang="en-US"/>
-              <a:t>Introducing YOGA -  (Defcon Recon Village 2018) - Webbreacher.com</a:t>
-            </a:r>
-            <a:endParaRPr lang="en-US" dirty="0"/>
-          </a:p>
-        </p:txBody>
-      </p:sp>
-      <p:sp>
-        <p:nvSpPr>
-          <p:cNvPr id="3" name="Slide Number Placeholder 2">
-            <a:extLst>
-              <a:ext uri="{FF2B5EF4-FFF2-40B4-BE49-F238E27FC236}">
-                <a16:creationId xmlns:a16="http://schemas.microsoft.com/office/drawing/2014/main" id="{602E20AF-8B48-4ED5-8AD6-57A2BFC6E050}"/>
-              </a:ext>
-            </a:extLst>
-          </p:cNvPr>
-          <p:cNvSpPr>
-            <a:spLocks noGrp="1"/>
-          </p:cNvSpPr>
-          <p:nvPr>
-            <p:ph type="sldNum" sz="quarter" idx="4"/>
-          </p:nvPr>
-        </p:nvSpPr>
-        <p:spPr/>
-        <p:txBody>
-          <a:bodyPr/>
-          <a:lstStyle/>
-          <a:p>
-            <a:fld id="{95C512E1-207F-4DA8-9E8B-046AC4C0F84D}" type="slidenum">
-              <a:rPr lang="en-US" smtClean="0"/>
-              <a:pPr/>
-              <a:t>20</a:t>
-            </a:fld>
-            <a:r>
-              <a:rPr lang="en-US"/>
-              <a:t> </a:t>
-            </a:r>
-            <a:endParaRPr lang="en-US" dirty="0"/>
-          </a:p>
-        </p:txBody>
-      </p:sp>
-      <p:sp>
-        <p:nvSpPr>
-          <p:cNvPr id="5" name="Rectangle 4">
-            <a:extLst>
-              <a:ext uri="{FF2B5EF4-FFF2-40B4-BE49-F238E27FC236}">
-                <a16:creationId xmlns:a16="http://schemas.microsoft.com/office/drawing/2014/main" id="{83E737C9-99A8-4FC3-8298-906179754CB9}"/>
-              </a:ext>
-            </a:extLst>
-          </p:cNvPr>
-          <p:cNvSpPr/>
-          <p:nvPr/>
-        </p:nvSpPr>
-        <p:spPr>
-          <a:xfrm>
-            <a:off x="2433202" y="186119"/>
-            <a:ext cx="7325595" cy="1015663"/>
-          </a:xfrm>
-          <a:prstGeom prst="rect">
-            <a:avLst/>
-          </a:prstGeom>
-        </p:spPr>
-        <p:txBody>
-          <a:bodyPr wrap="none">
-            <a:spAutoFit/>
-          </a:bodyPr>
-          <a:lstStyle/>
-          <a:p>
-            <a:r>
-              <a:rPr lang="en-US" sz="6000" dirty="0"/>
-              <a:t>https://orcs.osint.ninja</a:t>
-            </a:r>
-          </a:p>
-        </p:txBody>
-      </p:sp>
-      <p:sp>
-        <p:nvSpPr>
-          <p:cNvPr id="6" name="TextBox 5">
-            <a:extLst>
-              <a:ext uri="{FF2B5EF4-FFF2-40B4-BE49-F238E27FC236}">
-                <a16:creationId xmlns:a16="http://schemas.microsoft.com/office/drawing/2014/main" id="{51C9490C-96F1-42B2-ACA5-7E761E7AB196}"/>
-              </a:ext>
-            </a:extLst>
-          </p:cNvPr>
-          <p:cNvSpPr txBox="1"/>
-          <p:nvPr/>
-        </p:nvSpPr>
-        <p:spPr>
-          <a:xfrm>
-            <a:off x="373116" y="1490627"/>
-            <a:ext cx="7725855" cy="3416320"/>
-          </a:xfrm>
-          <a:prstGeom prst="rect">
-            <a:avLst/>
-          </a:prstGeom>
-          <a:noFill/>
-        </p:spPr>
-        <p:txBody>
-          <a:bodyPr wrap="square" rtlCol="0">
-            <a:spAutoFit/>
-          </a:bodyPr>
-          <a:lstStyle/>
-          <a:p>
-            <a:pPr marL="1143000" indent="-1143000">
-              <a:buFont typeface="Arial" panose="020B0604020202020204" pitchFamily="34" charset="0"/>
-              <a:buChar char="•"/>
-            </a:pPr>
-            <a:r>
-              <a:rPr lang="en-US" sz="5400" dirty="0">
-                <a:latin typeface="Georgia" panose="02040502050405020303" pitchFamily="18" charset="0"/>
-              </a:rPr>
-              <a:t>Being created now by the community</a:t>
-            </a:r>
-          </a:p>
-          <a:p>
-            <a:pPr marL="1143000" indent="-1143000">
-              <a:buFont typeface="Arial" panose="020B0604020202020204" pitchFamily="34" charset="0"/>
-              <a:buChar char="•"/>
-            </a:pPr>
-            <a:r>
-              <a:rPr lang="en-US" sz="5400" dirty="0">
-                <a:latin typeface="Georgia" panose="02040502050405020303" pitchFamily="18" charset="0"/>
-              </a:rPr>
-              <a:t>https://osint.team</a:t>
-            </a:r>
-          </a:p>
-          <a:p>
-            <a:pPr marL="1143000" indent="-1143000">
-              <a:buFont typeface="Arial" panose="020B0604020202020204" pitchFamily="34" charset="0"/>
-              <a:buChar char="•"/>
-            </a:pPr>
-            <a:r>
-              <a:rPr lang="en-US" sz="5400" dirty="0">
-                <a:latin typeface="Georgia" panose="02040502050405020303" pitchFamily="18" charset="0"/>
-              </a:rPr>
-              <a:t>Tagging of resources</a:t>
-            </a:r>
-          </a:p>
-        </p:txBody>
-      </p:sp>
-      <p:pic>
-        <p:nvPicPr>
-          <p:cNvPr id="1028" name="Picture 4" descr="https://raw.githubusercontent.com/WebBreacher/orcs/master/ideas/orcs_logo.png">
-            <a:extLst>
-              <a:ext uri="{FF2B5EF4-FFF2-40B4-BE49-F238E27FC236}">
-                <a16:creationId xmlns:a16="http://schemas.microsoft.com/office/drawing/2014/main" id="{514830C9-78BF-4141-907E-40FCAB399487}"/>
-              </a:ext>
-            </a:extLst>
-          </p:cNvPr>
-          <p:cNvPicPr>
-            <a:picLocks noChangeAspect="1" noChangeArrowheads="1"/>
-          </p:cNvPicPr>
-          <p:nvPr/>
-        </p:nvPicPr>
-        <p:blipFill rotWithShape="1">
-          <a:blip r:embed="rId2">
-            <a:extLst>
-              <a:ext uri="{28A0092B-C50C-407E-A947-70E740481C1C}">
-                <a14:useLocalDpi xmlns:a14="http://schemas.microsoft.com/office/drawing/2010/main" val="0"/>
-              </a:ext>
-            </a:extLst>
-          </a:blip>
-          <a:srcRect b="1926"/>
-          <a:stretch/>
-        </p:blipFill>
-        <p:spPr bwMode="auto">
-          <a:xfrm>
-            <a:off x="7999916" y="1201782"/>
-            <a:ext cx="3983079" cy="5003075"/>
-          </a:xfrm>
-          <a:prstGeom prst="rect">
-            <a:avLst/>
-          </a:prstGeom>
-          <a:noFill/>
-          <a:extLst>
-            <a:ext uri="{909E8E84-426E-40DD-AFC4-6F175D3DCCD1}">
-              <a14:hiddenFill xmlns:a14="http://schemas.microsoft.com/office/drawing/2010/main">
-                <a:solidFill>
-                  <a:srgbClr val="FFFFFF"/>
-                </a:solidFill>
-              </a14:hiddenFill>
-            </a:ext>
-          </a:extLst>
-        </p:spPr>
-      </p:pic>
-    </p:spTree>
-    <p:extLst>
-      <p:ext uri="{BB962C8B-B14F-4D97-AF65-F5344CB8AC3E}">
-        <p14:creationId xmlns:p14="http://schemas.microsoft.com/office/powerpoint/2010/main" val="2161277306"/>
-      </p:ext>
-    </p:extLst>
-  </p:cSld>
-  <p:clrMapOvr>
-    <a:masterClrMapping/>
-  </p:clrMapOvr>
-</p:sld>
-</file>
-
-<file path=ppt/slides/slide21.xml><?xml version="1.0" encoding="utf-8"?>
-<p:sld xmlns:a="http://schemas.openxmlformats.org/drawingml/2006/main" xmlns:r="http://schemas.openxmlformats.org/officeDocument/2006/relationships" xmlns:p="http://schemas.openxmlformats.org/presentationml/2006/main">
-  <p:cSld>
-    <p:spTree>
-      <p:nvGrpSpPr>
-        <p:cNvPr id="1" name=""/>
-        <p:cNvGrpSpPr/>
-        <p:nvPr/>
-      </p:nvGrpSpPr>
-      <p:grpSpPr>
-        <a:xfrm>
-          <a:off x="0" y="0"/>
-          <a:ext cx="0" cy="0"/>
-          <a:chOff x="0" y="0"/>
-          <a:chExt cx="0" cy="0"/>
-        </a:xfrm>
-      </p:grpSpPr>
-      <p:sp>
-        <p:nvSpPr>
           <p:cNvPr id="8" name="Rectangle 7"/>
           <p:cNvSpPr/>
           <p:nvPr/>
         </p:nvSpPr>
         <p:spPr>
           <a:xfrm>
-            <a:off x="608773" y="1390760"/>
+            <a:off x="608773" y="1304261"/>
             <a:ext cx="11185661" cy="3024823"/>
           </a:xfrm>
           <a:prstGeom prst="rect">
@@ -7314,7 +7187,7 @@
           <a:p>
             <a:fld id="{95C512E1-207F-4DA8-9E8B-046AC4C0F84D}" type="slidenum">
               <a:rPr lang="en-US" sz="1200" smtClean="0"/>
-              <a:t>21</a:t>
+              <a:t>20</a:t>
             </a:fld>
             <a:endParaRPr lang="en-US" sz="1200" dirty="0"/>
           </a:p>
@@ -7328,7 +7201,7 @@
         </p:nvSpPr>
         <p:spPr>
           <a:xfrm>
-            <a:off x="2001568" y="1390761"/>
+            <a:off x="2001568" y="1304262"/>
             <a:ext cx="5264828" cy="923330"/>
           </a:xfrm>
           <a:prstGeom prst="rect">
@@ -7362,7 +7235,7 @@
         </p:nvSpPr>
         <p:spPr>
           <a:xfrm>
-            <a:off x="2324466" y="2421850"/>
+            <a:off x="2324466" y="2335351"/>
             <a:ext cx="4619032" cy="830997"/>
           </a:xfrm>
           <a:prstGeom prst="rect">
@@ -7396,7 +7269,7 @@
         </p:nvSpPr>
         <p:spPr>
           <a:xfrm>
-            <a:off x="986183" y="3452939"/>
+            <a:off x="986183" y="3366440"/>
             <a:ext cx="7295598" cy="830997"/>
           </a:xfrm>
           <a:prstGeom prst="rect">
@@ -7443,7 +7316,7 @@
         </p:blipFill>
         <p:spPr>
           <a:xfrm>
-            <a:off x="8381816" y="1757778"/>
+            <a:off x="8381816" y="1671279"/>
             <a:ext cx="3037284" cy="2087098"/>
           </a:xfrm>
           <a:prstGeom prst="rect">
@@ -7545,6 +7418,40 @@
                 </a:solidFill>
               </a:rPr>
               <a:t>sans.org/sec487</a:t>
+            </a:r>
+          </a:p>
+        </p:txBody>
+      </p:sp>
+      <p:sp>
+        <p:nvSpPr>
+          <p:cNvPr id="3" name="Rectangle 2">
+            <a:extLst>
+              <a:ext uri="{FF2B5EF4-FFF2-40B4-BE49-F238E27FC236}">
+                <a16:creationId xmlns:a16="http://schemas.microsoft.com/office/drawing/2014/main" id="{0E1059BD-CCF6-4590-9599-BBF28A8381FA}"/>
+              </a:ext>
+            </a:extLst>
+          </p:cNvPr>
+          <p:cNvSpPr/>
+          <p:nvPr/>
+        </p:nvSpPr>
+        <p:spPr>
+          <a:xfrm>
+            <a:off x="1373681" y="4321007"/>
+            <a:ext cx="9444637" cy="1015663"/>
+          </a:xfrm>
+          <a:prstGeom prst="rect">
+            <a:avLst/>
+          </a:prstGeom>
+        </p:spPr>
+        <p:txBody>
+          <a:bodyPr wrap="none">
+            <a:spAutoFit/>
+          </a:bodyPr>
+          <a:lstStyle/>
+          <a:p>
+            <a:r>
+              <a:rPr lang="en-US" sz="6000" dirty="0"/>
+              <a:t>https://the.osint.ninja/presos</a:t>
             </a:r>
           </a:p>
         </p:txBody>
